--- a/Analyse_Projet/Poster_Black-Fleet_ODEAU_SERENO.pptx
+++ b/Analyse_Projet/Poster_Black-Fleet_ODEAU_SERENO.pptx
@@ -2439,8 +2439,8 @@
         </p:nvSpPr>
         <p:spPr>
           <a:xfrm>
-            <a:off x="1532190" y="2832397"/>
-            <a:ext cx="7632848" cy="5016758"/>
+            <a:off x="1532190" y="2832396"/>
+            <a:ext cx="7791470" cy="8710077"/>
           </a:xfrm>
           <a:prstGeom prst="rect">
             <a:avLst/>
@@ -2453,8 +2453,9 @@
           </a:bodyPr>
           <a:lstStyle/>
           <a:p>
-            <a:r>
-              <a:rPr lang="fr-FR" sz="2000" dirty="0">
+            <a:pPr algn="just"/>
+            <a:r>
+              <a:rPr lang="fr-FR" sz="2800" dirty="0">
                 <a:latin typeface="Arial" panose="020B0604020202020204" pitchFamily="34" charset="0"/>
                 <a:cs typeface="Arial" panose="020B0604020202020204" pitchFamily="34" charset="0"/>
               </a:rPr>
@@ -2462,8 +2463,9 @@
             </a:r>
           </a:p>
           <a:p>
-            <a:r>
-              <a:rPr lang="fr-FR" sz="2000" dirty="0">
+            <a:pPr algn="just"/>
+            <a:r>
+              <a:rPr lang="fr-FR" sz="2800" dirty="0">
                 <a:latin typeface="Arial" panose="020B0604020202020204" pitchFamily="34" charset="0"/>
                 <a:cs typeface="Arial" panose="020B0604020202020204" pitchFamily="34" charset="0"/>
               </a:rPr>
@@ -2471,8 +2473,9 @@
             </a:r>
           </a:p>
           <a:p>
-            <a:r>
-              <a:rPr lang="fr-FR" sz="2000" dirty="0">
+            <a:pPr algn="just"/>
+            <a:r>
+              <a:rPr lang="fr-FR" sz="2800" dirty="0">
                 <a:latin typeface="Arial" panose="020B0604020202020204" pitchFamily="34" charset="0"/>
                 <a:cs typeface="Arial" panose="020B0604020202020204" pitchFamily="34" charset="0"/>
               </a:rPr>
@@ -2480,8 +2483,9 @@
             </a:r>
           </a:p>
           <a:p>
-            <a:r>
-              <a:rPr lang="fr-FR" sz="2000" dirty="0">
+            <a:pPr algn="just"/>
+            <a:r>
+              <a:rPr lang="fr-FR" sz="2800" dirty="0">
                 <a:latin typeface="Arial" panose="020B0604020202020204" pitchFamily="34" charset="0"/>
                 <a:cs typeface="Arial" panose="020B0604020202020204" pitchFamily="34" charset="0"/>
               </a:rPr>
@@ -2489,8 +2493,9 @@
             </a:r>
           </a:p>
           <a:p>
-            <a:r>
-              <a:rPr lang="fr-FR" sz="2000" dirty="0">
+            <a:pPr algn="just"/>
+            <a:r>
+              <a:rPr lang="fr-FR" sz="2800" dirty="0">
                 <a:latin typeface="Arial" panose="020B0604020202020204" pitchFamily="34" charset="0"/>
                 <a:cs typeface="Arial" panose="020B0604020202020204" pitchFamily="34" charset="0"/>
               </a:rPr>
@@ -2498,8 +2503,9 @@
             </a:r>
           </a:p>
           <a:p>
-            <a:r>
-              <a:rPr lang="fr-FR" sz="2000" dirty="0">
+            <a:pPr algn="just"/>
+            <a:r>
+              <a:rPr lang="fr-FR" sz="2800" dirty="0">
                 <a:latin typeface="Arial" panose="020B0604020202020204" pitchFamily="34" charset="0"/>
                 <a:cs typeface="Arial" panose="020B0604020202020204" pitchFamily="34" charset="0"/>
               </a:rPr>
@@ -3056,8 +3062,8 @@
         </p:nvSpPr>
         <p:spPr>
           <a:xfrm>
-            <a:off x="16323486" y="13698240"/>
-            <a:ext cx="3744575" cy="584775"/>
+            <a:off x="16323486" y="13698241"/>
+            <a:ext cx="3397304" cy="1015663"/>
           </a:xfrm>
           <a:prstGeom prst="rect">
             <a:avLst/>
@@ -3089,7 +3095,7 @@
           <a:lstStyle/>
           <a:p>
             <a:r>
-              <a:rPr lang="fr-FR" sz="1600" dirty="0"/>
+              <a:rPr lang="fr-FR" sz="2000" dirty="0"/>
               <a:t>Tirage des cartes avec le joueur concerné et son nombre de doublons actualisé </a:t>
             </a:r>
           </a:p>
@@ -3136,47 +3142,6 @@
           </a:fontRef>
         </p:style>
       </p:cxnSp>
-      <p:cxnSp>
-        <p:nvCxnSpPr>
-          <p:cNvPr id="16" name="Connecteur droit avec flèche 15">
-            <a:extLst>
-              <a:ext uri="{FF2B5EF4-FFF2-40B4-BE49-F238E27FC236}">
-                <a16:creationId xmlns:a16="http://schemas.microsoft.com/office/drawing/2014/main" id="{7792990F-AB9B-D7D0-3126-DC8E78DB17D9}"/>
-              </a:ext>
-            </a:extLst>
-          </p:cNvPr>
-          <p:cNvCxnSpPr>
-            <a:cxnSpLocks/>
-          </p:cNvCxnSpPr>
-          <p:nvPr/>
-        </p:nvCxnSpPr>
-        <p:spPr>
-          <a:xfrm flipH="1" flipV="1">
-            <a:off x="11555908" y="13986684"/>
-            <a:ext cx="4767578" cy="143352"/>
-          </a:xfrm>
-          <a:prstGeom prst="straightConnector1">
-            <a:avLst/>
-          </a:prstGeom>
-          <a:ln>
-            <a:tailEnd type="triangle"/>
-          </a:ln>
-        </p:spPr>
-        <p:style>
-          <a:lnRef idx="1">
-            <a:schemeClr val="accent1"/>
-          </a:lnRef>
-          <a:fillRef idx="0">
-            <a:schemeClr val="accent1"/>
-          </a:fillRef>
-          <a:effectRef idx="0">
-            <a:schemeClr val="accent1"/>
-          </a:effectRef>
-          <a:fontRef idx="minor">
-            <a:schemeClr val="tx1"/>
-          </a:fontRef>
-        </p:style>
-      </p:cxnSp>
       <p:sp>
         <p:nvSpPr>
           <p:cNvPr id="21" name="ZoneTexte 20">
@@ -3191,8 +3156,8 @@
         </p:nvSpPr>
         <p:spPr>
           <a:xfrm>
-            <a:off x="10009922" y="16615161"/>
-            <a:ext cx="2567526" cy="3785652"/>
+            <a:off x="9914480" y="15846012"/>
+            <a:ext cx="2541528" cy="5016758"/>
           </a:xfrm>
           <a:prstGeom prst="rect">
             <a:avLst/>
@@ -3205,44 +3170,40 @@
           </a:bodyPr>
           <a:lstStyle/>
           <a:p>
-            <a:r>
-              <a:rPr lang="fr-FR" sz="1600" dirty="0"/>
+            <a:pPr algn="just"/>
+            <a:r>
+              <a:rPr lang="fr-FR" sz="2000" dirty="0"/>
               <a:t>-Affichage du plateau avec les couleurs représentant le type de case</a:t>
             </a:r>
           </a:p>
           <a:p>
-            <a:endParaRPr lang="fr-FR" sz="1600" dirty="0"/>
-          </a:p>
-          <a:p>
-            <a:endParaRPr lang="fr-FR" sz="1600" dirty="0"/>
-          </a:p>
-          <a:p>
-            <a:r>
-              <a:rPr lang="fr-FR" sz="1600" dirty="0"/>
+            <a:pPr algn="just"/>
+            <a:endParaRPr lang="fr-FR" sz="2000" dirty="0"/>
+          </a:p>
+          <a:p>
+            <a:pPr algn="just"/>
+            <a:r>
+              <a:rPr lang="fr-FR" sz="2000" dirty="0"/>
               <a:t>-Affichage des bateau avec les couleurs des joueurs</a:t>
             </a:r>
           </a:p>
           <a:p>
-            <a:endParaRPr lang="fr-FR" sz="1600" dirty="0"/>
-          </a:p>
-          <a:p>
-            <a:endParaRPr lang="fr-FR" sz="1600" dirty="0"/>
-          </a:p>
-          <a:p>
-            <a:r>
-              <a:rPr lang="fr-FR" sz="1600" dirty="0"/>
+            <a:pPr algn="just"/>
+            <a:endParaRPr lang="fr-FR" sz="2000" dirty="0"/>
+          </a:p>
+          <a:p>
+            <a:r>
+              <a:rPr lang="fr-FR" sz="2000" dirty="0"/>
               <a:t>-Affichage récapitulatif des prix des marchandises dans les différents ports</a:t>
             </a:r>
           </a:p>
           <a:p>
-            <a:endParaRPr lang="fr-FR" sz="1600" dirty="0"/>
-          </a:p>
-          <a:p>
-            <a:endParaRPr lang="fr-FR" sz="1600" dirty="0"/>
-          </a:p>
-          <a:p>
-            <a:r>
-              <a:rPr lang="fr-FR" sz="1600" dirty="0"/>
+            <a:pPr algn="just"/>
+            <a:endParaRPr lang="fr-FR" sz="2000" dirty="0"/>
+          </a:p>
+          <a:p>
+            <a:r>
+              <a:rPr lang="fr-FR" sz="2000" dirty="0"/>
               <a:t>-Indication pour l’utilisateur </a:t>
             </a:r>
           </a:p>
@@ -3264,8 +3225,8 @@
         </p:nvCxnSpPr>
         <p:spPr>
           <a:xfrm>
-            <a:off x="12492012" y="16938600"/>
-            <a:ext cx="246917" cy="0"/>
+            <a:off x="11843940" y="16866592"/>
+            <a:ext cx="894989" cy="72008"/>
           </a:xfrm>
           <a:prstGeom prst="straightConnector1">
             <a:avLst/>
@@ -3305,8 +3266,8 @@
         </p:nvCxnSpPr>
         <p:spPr>
           <a:xfrm>
-            <a:off x="12420004" y="18090728"/>
-            <a:ext cx="864096" cy="335431"/>
+            <a:off x="11952043" y="18107223"/>
+            <a:ext cx="1332057" cy="318936"/>
           </a:xfrm>
           <a:prstGeom prst="straightConnector1">
             <a:avLst/>
@@ -3346,8 +3307,8 @@
         </p:nvCxnSpPr>
         <p:spPr>
           <a:xfrm>
-            <a:off x="11987956" y="19386214"/>
-            <a:ext cx="750973" cy="65628"/>
+            <a:off x="11843940" y="19611277"/>
+            <a:ext cx="894989" cy="0"/>
           </a:xfrm>
           <a:prstGeom prst="straightConnector1">
             <a:avLst/>
@@ -3387,8 +3348,8 @@
         </p:nvCxnSpPr>
         <p:spPr>
           <a:xfrm flipV="1">
-            <a:off x="12492012" y="20196202"/>
-            <a:ext cx="246917" cy="31871"/>
+            <a:off x="11771932" y="20196202"/>
+            <a:ext cx="966997" cy="81643"/>
           </a:xfrm>
           <a:prstGeom prst="straightConnector1">
             <a:avLst/>
@@ -3426,8 +3387,8 @@
         </p:nvSpPr>
         <p:spPr>
           <a:xfrm>
-            <a:off x="1702253" y="13579286"/>
-            <a:ext cx="7153446" cy="400110"/>
+            <a:off x="11125768" y="3462697"/>
+            <a:ext cx="8064896" cy="7417415"/>
           </a:xfrm>
           <a:prstGeom prst="rect">
             <a:avLst/>
@@ -3441,10 +3402,113 @@
           <a:lstStyle/>
           <a:p>
             <a:r>
-              <a:rPr lang="fr-FR" sz="2000" dirty="0" err="1"/>
-              <a:t>wdfgxgfnf</a:t>
-            </a:r>
-            <a:endParaRPr lang="fr-FR" sz="2000" dirty="0"/>
+              <a:rPr lang="fr-FR" sz="2800" dirty="0"/>
+              <a:t>               Pour faire suite a notre analyse, nous avons choisis de créer plusieurs </a:t>
+            </a:r>
+            <a:r>
+              <a:rPr lang="fr-FR" sz="2800" dirty="0">
+                <a:solidFill>
+                  <a:srgbClr val="FF0000"/>
+                </a:solidFill>
+              </a:rPr>
+              <a:t>types structuré </a:t>
+            </a:r>
+            <a:r>
+              <a:rPr lang="fr-FR" sz="2800" dirty="0"/>
+              <a:t>pour pouvoir manipuler plus facilement les données comme par exemple un type structuré case, contenant un type (mer, terre, port, etc.), un statut (occupé ou non), puis le type de bateau ainsi que le joueur a qui il correspond.</a:t>
+            </a:r>
+          </a:p>
+          <a:p>
+            <a:endParaRPr lang="fr-FR" sz="2800" dirty="0"/>
+          </a:p>
+          <a:p>
+            <a:r>
+              <a:rPr lang="fr-FR" sz="2800" dirty="0"/>
+              <a:t>               Puis nous avons créé le </a:t>
+            </a:r>
+            <a:r>
+              <a:rPr lang="fr-FR" sz="2800" dirty="0">
+                <a:solidFill>
+                  <a:srgbClr val="FF0000"/>
+                </a:solidFill>
+              </a:rPr>
+              <a:t>tableau de cases</a:t>
+            </a:r>
+            <a:r>
+              <a:rPr lang="fr-FR" sz="2800" dirty="0"/>
+              <a:t>.</a:t>
+            </a:r>
+          </a:p>
+          <a:p>
+            <a:r>
+              <a:rPr lang="fr-FR" sz="2800" dirty="0"/>
+              <a:t>Nous avons également défini un type structuré pour chaque type de bateau ainsi qu’un type structuré pour chaque joueur. </a:t>
+            </a:r>
+          </a:p>
+          <a:p>
+            <a:endParaRPr lang="fr-FR" sz="2800" dirty="0"/>
+          </a:p>
+          <a:p>
+            <a:r>
+              <a:rPr lang="fr-FR" sz="2800" dirty="0"/>
+              <a:t>               En ce qui concerne les vérifications ou même l’affichage, nous avons utilisé des </a:t>
+            </a:r>
+            <a:r>
+              <a:rPr lang="fr-FR" sz="2800" dirty="0" err="1">
+                <a:solidFill>
+                  <a:srgbClr val="FF0000"/>
+                </a:solidFill>
+              </a:rPr>
+              <a:t>switch..case</a:t>
+            </a:r>
+            <a:r>
+              <a:rPr lang="fr-FR" sz="2800" dirty="0"/>
+              <a:t> ainsi que des </a:t>
+            </a:r>
+            <a:r>
+              <a:rPr lang="fr-FR" sz="2800" dirty="0">
+                <a:solidFill>
+                  <a:srgbClr val="FF0000"/>
+                </a:solidFill>
+              </a:rPr>
+              <a:t>if/</a:t>
+            </a:r>
+            <a:r>
+              <a:rPr lang="fr-FR" sz="2800" dirty="0" err="1">
+                <a:solidFill>
+                  <a:srgbClr val="FF0000"/>
+                </a:solidFill>
+              </a:rPr>
+              <a:t>else</a:t>
+            </a:r>
+            <a:r>
+              <a:rPr lang="fr-FR" sz="2800" dirty="0">
+                <a:solidFill>
+                  <a:srgbClr val="FF0000"/>
+                </a:solidFill>
+              </a:rPr>
+              <a:t>/</a:t>
+            </a:r>
+            <a:r>
+              <a:rPr lang="fr-FR" sz="2800" dirty="0" err="1">
+                <a:solidFill>
+                  <a:srgbClr val="FF0000"/>
+                </a:solidFill>
+              </a:rPr>
+              <a:t>else</a:t>
+            </a:r>
+            <a:r>
+              <a:rPr lang="fr-FR" sz="2800" dirty="0">
+                <a:solidFill>
+                  <a:srgbClr val="FF0000"/>
+                </a:solidFill>
+              </a:rPr>
+              <a:t> if </a:t>
+            </a:r>
+            <a:r>
+              <a:rPr lang="fr-FR" sz="2800" dirty="0"/>
+              <a:t>en manipulant des entiers pour simplifier au maximum notre programme.</a:t>
+            </a:r>
           </a:p>
         </p:txBody>
       </p:sp>
@@ -3462,7 +3526,7 @@
         </p:nvSpPr>
         <p:spPr>
           <a:xfrm>
-            <a:off x="11952043" y="4029959"/>
+            <a:off x="2345617" y="13927538"/>
             <a:ext cx="4644425" cy="369332"/>
           </a:xfrm>
           <a:prstGeom prst="rect">
@@ -3484,6 +3548,47 @@
           </a:p>
         </p:txBody>
       </p:sp>
+      <p:cxnSp>
+        <p:nvCxnSpPr>
+          <p:cNvPr id="14" name="Connecteur : en angle 13">
+            <a:extLst>
+              <a:ext uri="{FF2B5EF4-FFF2-40B4-BE49-F238E27FC236}">
+                <a16:creationId xmlns:a16="http://schemas.microsoft.com/office/drawing/2014/main" id="{06ED07DD-6042-A64D-71B1-D912D8F44A8F}"/>
+              </a:ext>
+            </a:extLst>
+          </p:cNvPr>
+          <p:cNvCxnSpPr/>
+          <p:nvPr/>
+        </p:nvCxnSpPr>
+        <p:spPr>
+          <a:xfrm rot="10800000">
+            <a:off x="11483900" y="13979396"/>
+            <a:ext cx="4839586" cy="510932"/>
+          </a:xfrm>
+          <a:prstGeom prst="bentConnector3">
+            <a:avLst>
+              <a:gd name="adj1" fmla="val 20084"/>
+            </a:avLst>
+          </a:prstGeom>
+          <a:ln>
+            <a:tailEnd type="triangle"/>
+          </a:ln>
+        </p:spPr>
+        <p:style>
+          <a:lnRef idx="1">
+            <a:schemeClr val="accent1"/>
+          </a:lnRef>
+          <a:fillRef idx="0">
+            <a:schemeClr val="accent1"/>
+          </a:fillRef>
+          <a:effectRef idx="0">
+            <a:schemeClr val="accent1"/>
+          </a:effectRef>
+          <a:fontRef idx="minor">
+            <a:schemeClr val="tx1"/>
+          </a:fontRef>
+        </p:style>
+      </p:cxnSp>
     </p:spTree>
     <p:extLst>
       <p:ext uri="{BB962C8B-B14F-4D97-AF65-F5344CB8AC3E}">
@@ -4353,21 +4458,6 @@
 </file>
 
 <file path=customXml/item1.xml><?xml version="1.0" encoding="utf-8"?>
-<p:properties xmlns:p="http://schemas.microsoft.com/office/2006/metadata/properties" xmlns:xsi="http://www.w3.org/2001/XMLSchema-instance" xmlns:pc="http://schemas.microsoft.com/office/infopath/2007/PartnerControls">
-  <documentManagement/>
-</p:properties>
-</file>
-
-<file path=customXml/item2.xml><?xml version="1.0" encoding="utf-8"?>
-<?mso-contentType ?>
-<FormTemplates xmlns="http://schemas.microsoft.com/sharepoint/v3/contenttype/forms">
-  <Display>DocumentLibraryForm</Display>
-  <Edit>DocumentLibraryForm</Edit>
-  <New>DocumentLibraryForm</New>
-</FormTemplates>
-</file>
-
-<file path=customXml/item3.xml><?xml version="1.0" encoding="utf-8"?>
 <ct:contentTypeSchema xmlns:ct="http://schemas.microsoft.com/office/2006/metadata/contentType" xmlns:ma="http://schemas.microsoft.com/office/2006/metadata/properties/metaAttributes" ct:_="" ma:_="" ma:contentTypeName="Document" ma:contentTypeID="0x010100BAC878A9CFA2B74EA5B56F8DFD3F283C" ma:contentTypeVersion="2" ma:contentTypeDescription="Crée un document." ma:contentTypeScope="" ma:versionID="09cea56e8964395adce5b6c2a1c3395a">
   <xsd:schema xmlns:xsd="http://www.w3.org/2001/XMLSchema" xmlns:xs="http://www.w3.org/2001/XMLSchema" xmlns:p="http://schemas.microsoft.com/office/2006/metadata/properties" xmlns:ns2="d19bf12b-0177-417d-bc4c-dfefd0e3f95e" targetNamespace="http://schemas.microsoft.com/office/2006/metadata/properties" ma:root="true" ma:fieldsID="c1ad8227b94a78187b139ed7725cd735" ns2:_="">
     <xsd:import namespace="d19bf12b-0177-417d-bc4c-dfefd0e3f95e"/>
@@ -4499,24 +4589,22 @@
 </ct:contentTypeSchema>
 </file>
 
-<file path=customXml/itemProps1.xml><?xml version="1.0" encoding="utf-8"?>
-<ds:datastoreItem xmlns:ds="http://schemas.openxmlformats.org/officeDocument/2006/customXml" ds:itemID="{1E5385A4-CA84-4021-8584-08878F10745D}">
-  <ds:schemaRefs>
-    <ds:schemaRef ds:uri="http://schemas.microsoft.com/office/2006/metadata/properties"/>
-    <ds:schemaRef ds:uri="http://schemas.microsoft.com/office/infopath/2007/PartnerControls"/>
-  </ds:schemaRefs>
-</ds:datastoreItem>
+<file path=customXml/item2.xml><?xml version="1.0" encoding="utf-8"?>
+<?mso-contentType ?>
+<FormTemplates xmlns="http://schemas.microsoft.com/sharepoint/v3/contenttype/forms">
+  <Display>DocumentLibraryForm</Display>
+  <Edit>DocumentLibraryForm</Edit>
+  <New>DocumentLibraryForm</New>
+</FormTemplates>
 </file>
 
-<file path=customXml/itemProps2.xml><?xml version="1.0" encoding="utf-8"?>
-<ds:datastoreItem xmlns:ds="http://schemas.openxmlformats.org/officeDocument/2006/customXml" ds:itemID="{6385C697-8C67-40A8-91C6-D061828ECBFF}">
-  <ds:schemaRefs>
-    <ds:schemaRef ds:uri="http://schemas.microsoft.com/sharepoint/v3/contenttype/forms"/>
-  </ds:schemaRefs>
-</ds:datastoreItem>
+<file path=customXml/item3.xml><?xml version="1.0" encoding="utf-8"?>
+<p:properties xmlns:p="http://schemas.microsoft.com/office/2006/metadata/properties" xmlns:xsi="http://www.w3.org/2001/XMLSchema-instance" xmlns:pc="http://schemas.microsoft.com/office/infopath/2007/PartnerControls">
+  <documentManagement/>
+</p:properties>
 </file>
 
-<file path=customXml/itemProps3.xml><?xml version="1.0" encoding="utf-8"?>
+<file path=customXml/itemProps1.xml><?xml version="1.0" encoding="utf-8"?>
 <ds:datastoreItem xmlns:ds="http://schemas.openxmlformats.org/officeDocument/2006/customXml" ds:itemID="{175917EA-0CB3-430B-A3CC-BFF4201312D8}">
   <ds:schemaRefs>
     <ds:schemaRef ds:uri="http://schemas.microsoft.com/office/2006/metadata/contentType"/>
@@ -4532,4 +4620,21 @@
     <ds:schemaRef ds:uri="http://schemas.microsoft.com/internal/obd"/>
   </ds:schemaRefs>
 </ds:datastoreItem>
+</file>
+
+<file path=customXml/itemProps2.xml><?xml version="1.0" encoding="utf-8"?>
+<ds:datastoreItem xmlns:ds="http://schemas.openxmlformats.org/officeDocument/2006/customXml" ds:itemID="{6385C697-8C67-40A8-91C6-D061828ECBFF}">
+  <ds:schemaRefs>
+    <ds:schemaRef ds:uri="http://schemas.microsoft.com/sharepoint/v3/contenttype/forms"/>
+  </ds:schemaRefs>
+</ds:datastoreItem>
+</file>
+
+<file path=customXml/itemProps3.xml><?xml version="1.0" encoding="utf-8"?>
+<ds:datastoreItem xmlns:ds="http://schemas.openxmlformats.org/officeDocument/2006/customXml" ds:itemID="{1E5385A4-CA84-4021-8584-08878F10745D}">
+  <ds:schemaRefs>
+    <ds:schemaRef ds:uri="http://schemas.microsoft.com/office/2006/metadata/properties"/>
+    <ds:schemaRef ds:uri="http://schemas.microsoft.com/office/infopath/2007/PartnerControls"/>
+  </ds:schemaRefs>
+</ds:datastoreItem>
 </file>
--- a/Analyse_Projet/Poster_Black-Fleet_ODEAU_SERENO.pptx
+++ b/Analyse_Projet/Poster_Black-Fleet_ODEAU_SERENO.pptx
@@ -225,7 +225,7 @@
           <a:p>
             <a:fld id="{BA6D51D9-740A-4061-A0FF-5FA317C2F164}" type="datetimeFigureOut">
               <a:rPr lang="fr-FR" smtClean="0"/>
-              <a:t>11/05/2022</a:t>
+              <a:t>12/05/2022</a:t>
             </a:fld>
             <a:endParaRPr lang="fr-FR"/>
           </a:p>
@@ -390,7 +390,7 @@
           <a:p>
             <a:fld id="{B026557C-7A90-4674-BDC7-DD919FD78964}" type="datetimeFigureOut">
               <a:rPr lang="fr-FR" smtClean="0"/>
-              <a:t>11/05/2022</a:t>
+              <a:t>12/05/2022</a:t>
             </a:fld>
             <a:endParaRPr lang="fr-FR"/>
           </a:p>
@@ -2529,7 +2529,7 @@
           <p:nvPr>
             <p:extLst>
               <p:ext uri="{D42A27DB-BD31-4B8C-83A1-F6EECF244321}">
-                <p14:modId xmlns:p14="http://schemas.microsoft.com/office/powerpoint/2010/main" val="3323209980"/>
+                <p14:modId xmlns:p14="http://schemas.microsoft.com/office/powerpoint/2010/main" val="1406878096"/>
               </p:ext>
             </p:extLst>
           </p:nvPr>
@@ -2926,7 +2926,7 @@
                     <a:p>
                       <a:r>
                         <a:rPr lang="fr-FR" sz="1800" dirty="0"/>
-                        <a:t>Vérification finale et résolution des derniers bugs</a:t>
+                        <a:t>Vérification finale et résolution des derniers bugs + Version Bonus</a:t>
                       </a:r>
                     </a:p>
                   </a:txBody>
@@ -2956,8 +2956,8 @@
         </p:nvSpPr>
         <p:spPr>
           <a:xfrm>
-            <a:off x="2050852" y="25644873"/>
-            <a:ext cx="18218024" cy="954107"/>
+            <a:off x="2076232" y="25435588"/>
+            <a:ext cx="18218024" cy="1384995"/>
           </a:xfrm>
           <a:prstGeom prst="rect">
             <a:avLst/>
@@ -2973,6 +2973,12 @@
             <a:r>
               <a:rPr lang="fr-FR" sz="2800" dirty="0"/>
               <a:t>Pour les prochaines fois, nous pourrions optimiser l’organisation pour pouvoir être plus performant. Cela permettrait aussi de pouvoir implémenter  plus de spécificité. </a:t>
+            </a:r>
+          </a:p>
+          <a:p>
+            <a:r>
+              <a:rPr lang="fr-FR" sz="2800" dirty="0"/>
+              <a:t>De plus nous aurions pu faire une plus grande analyse pour les fonctions d’affichages et de déplacements.</a:t>
             </a:r>
           </a:p>
         </p:txBody>
@@ -3387,7 +3393,7 @@
         </p:nvSpPr>
         <p:spPr>
           <a:xfrm>
-            <a:off x="11125768" y="3462697"/>
+            <a:off x="1273973" y="13304896"/>
             <a:ext cx="8064896" cy="7417415"/>
           </a:xfrm>
           <a:prstGeom prst="rect">
@@ -3512,42 +3518,6 @@
           </a:p>
         </p:txBody>
       </p:sp>
-      <p:sp>
-        <p:nvSpPr>
-          <p:cNvPr id="35" name="ZoneTexte 34">
-            <a:extLst>
-              <a:ext uri="{FF2B5EF4-FFF2-40B4-BE49-F238E27FC236}">
-                <a16:creationId xmlns:a16="http://schemas.microsoft.com/office/drawing/2014/main" id="{D8101C94-4FCB-8CD4-EADA-91A8ACBB0E9E}"/>
-              </a:ext>
-            </a:extLst>
-          </p:cNvPr>
-          <p:cNvSpPr txBox="1"/>
-          <p:nvPr/>
-        </p:nvSpPr>
-        <p:spPr>
-          <a:xfrm>
-            <a:off x="2345617" y="13927538"/>
-            <a:ext cx="4644425" cy="369332"/>
-          </a:xfrm>
-          <a:prstGeom prst="rect">
-            <a:avLst/>
-          </a:prstGeom>
-          <a:noFill/>
-        </p:spPr>
-        <p:txBody>
-          <a:bodyPr wrap="square" rtlCol="0">
-            <a:spAutoFit/>
-          </a:bodyPr>
-          <a:lstStyle/>
-          <a:p>
-            <a:r>
-              <a:rPr lang="fr-FR" sz="1800" dirty="0" err="1"/>
-              <a:t>dftvhh</a:t>
-            </a:r>
-            <a:endParaRPr lang="fr-FR" sz="1800" dirty="0"/>
-          </a:p>
-        </p:txBody>
-      </p:sp>
       <p:cxnSp>
         <p:nvCxnSpPr>
           <p:cNvPr id="14" name="Connecteur : en angle 13">
@@ -3589,6 +3559,156 @@
           </a:fontRef>
         </p:style>
       </p:cxnSp>
+      <p:pic>
+        <p:nvPicPr>
+          <p:cNvPr id="7" name="Image 6">
+            <a:extLst>
+              <a:ext uri="{FF2B5EF4-FFF2-40B4-BE49-F238E27FC236}">
+                <a16:creationId xmlns:a16="http://schemas.microsoft.com/office/drawing/2014/main" id="{66775F40-FE5C-5ED2-1B26-C2F2D345ED7F}"/>
+              </a:ext>
+            </a:extLst>
+          </p:cNvPr>
+          <p:cNvPicPr>
+            <a:picLocks noChangeAspect="1"/>
+          </p:cNvPicPr>
+          <p:nvPr/>
+        </p:nvPicPr>
+        <p:blipFill>
+          <a:blip r:embed="rId7"/>
+          <a:stretch>
+            <a:fillRect/>
+          </a:stretch>
+        </p:blipFill>
+        <p:spPr>
+          <a:xfrm>
+            <a:off x="10149987" y="9689550"/>
+            <a:ext cx="2253477" cy="2503861"/>
+          </a:xfrm>
+          <a:prstGeom prst="rect">
+            <a:avLst/>
+          </a:prstGeom>
+        </p:spPr>
+      </p:pic>
+      <p:pic>
+        <p:nvPicPr>
+          <p:cNvPr id="12" name="Image 11">
+            <a:extLst>
+              <a:ext uri="{FF2B5EF4-FFF2-40B4-BE49-F238E27FC236}">
+                <a16:creationId xmlns:a16="http://schemas.microsoft.com/office/drawing/2014/main" id="{CAA2DEEF-B015-8807-044A-9F33A7E3E227}"/>
+              </a:ext>
+            </a:extLst>
+          </p:cNvPr>
+          <p:cNvPicPr>
+            <a:picLocks noChangeAspect="1"/>
+          </p:cNvPicPr>
+          <p:nvPr/>
+        </p:nvPicPr>
+        <p:blipFill>
+          <a:blip r:embed="rId8"/>
+          <a:stretch>
+            <a:fillRect/>
+          </a:stretch>
+        </p:blipFill>
+        <p:spPr>
+          <a:xfrm>
+            <a:off x="17886041" y="9072874"/>
+            <a:ext cx="2522333" cy="3040621"/>
+          </a:xfrm>
+          <a:prstGeom prst="rect">
+            <a:avLst/>
+          </a:prstGeom>
+        </p:spPr>
+      </p:pic>
+      <p:pic>
+        <p:nvPicPr>
+          <p:cNvPr id="16" name="Image 15">
+            <a:extLst>
+              <a:ext uri="{FF2B5EF4-FFF2-40B4-BE49-F238E27FC236}">
+                <a16:creationId xmlns:a16="http://schemas.microsoft.com/office/drawing/2014/main" id="{6993D39E-71D6-EAA7-1AEE-BD22E676AEBB}"/>
+              </a:ext>
+            </a:extLst>
+          </p:cNvPr>
+          <p:cNvPicPr>
+            <a:picLocks noChangeAspect="1"/>
+          </p:cNvPicPr>
+          <p:nvPr/>
+        </p:nvPicPr>
+        <p:blipFill>
+          <a:blip r:embed="rId9"/>
+          <a:stretch>
+            <a:fillRect/>
+          </a:stretch>
+        </p:blipFill>
+        <p:spPr>
+          <a:xfrm>
+            <a:off x="9987558" y="3064607"/>
+            <a:ext cx="5067337" cy="4495833"/>
+          </a:xfrm>
+          <a:prstGeom prst="rect">
+            <a:avLst/>
+          </a:prstGeom>
+        </p:spPr>
+      </p:pic>
+      <p:pic>
+        <p:nvPicPr>
+          <p:cNvPr id="18" name="Image 17">
+            <a:extLst>
+              <a:ext uri="{FF2B5EF4-FFF2-40B4-BE49-F238E27FC236}">
+                <a16:creationId xmlns:a16="http://schemas.microsoft.com/office/drawing/2014/main" id="{C6C2AE4F-C219-F08D-4103-BF89045293BA}"/>
+              </a:ext>
+            </a:extLst>
+          </p:cNvPr>
+          <p:cNvPicPr>
+            <a:picLocks noChangeAspect="1"/>
+          </p:cNvPicPr>
+          <p:nvPr/>
+        </p:nvPicPr>
+        <p:blipFill>
+          <a:blip r:embed="rId10"/>
+          <a:stretch>
+            <a:fillRect/>
+          </a:stretch>
+        </p:blipFill>
+        <p:spPr>
+          <a:xfrm>
+            <a:off x="12562037" y="8517819"/>
+            <a:ext cx="5235568" cy="3703592"/>
+          </a:xfrm>
+          <a:prstGeom prst="rect">
+            <a:avLst/>
+          </a:prstGeom>
+        </p:spPr>
+      </p:pic>
+      <p:pic>
+        <p:nvPicPr>
+          <p:cNvPr id="20" name="Image 19">
+            <a:extLst>
+              <a:ext uri="{FF2B5EF4-FFF2-40B4-BE49-F238E27FC236}">
+                <a16:creationId xmlns:a16="http://schemas.microsoft.com/office/drawing/2014/main" id="{A9167FA5-D5EF-3A66-0389-874A8EBA8411}"/>
+              </a:ext>
+            </a:extLst>
+          </p:cNvPr>
+          <p:cNvPicPr>
+            <a:picLocks noChangeAspect="1"/>
+          </p:cNvPicPr>
+          <p:nvPr/>
+        </p:nvPicPr>
+        <p:blipFill>
+          <a:blip r:embed="rId11"/>
+          <a:stretch>
+            <a:fillRect/>
+          </a:stretch>
+        </p:blipFill>
+        <p:spPr>
+          <a:xfrm>
+            <a:off x="15049106" y="3129902"/>
+            <a:ext cx="5162588" cy="4695859"/>
+          </a:xfrm>
+          <a:prstGeom prst="rect">
+            <a:avLst/>
+          </a:prstGeom>
+        </p:spPr>
+      </p:pic>
     </p:spTree>
     <p:extLst>
       <p:ext uri="{BB962C8B-B14F-4D97-AF65-F5344CB8AC3E}">
@@ -4458,6 +4578,21 @@
 </file>
 
 <file path=customXml/item1.xml><?xml version="1.0" encoding="utf-8"?>
+<p:properties xmlns:p="http://schemas.microsoft.com/office/2006/metadata/properties" xmlns:xsi="http://www.w3.org/2001/XMLSchema-instance" xmlns:pc="http://schemas.microsoft.com/office/infopath/2007/PartnerControls">
+  <documentManagement/>
+</p:properties>
+</file>
+
+<file path=customXml/item2.xml><?xml version="1.0" encoding="utf-8"?>
+<?mso-contentType ?>
+<FormTemplates xmlns="http://schemas.microsoft.com/sharepoint/v3/contenttype/forms">
+  <Display>DocumentLibraryForm</Display>
+  <Edit>DocumentLibraryForm</Edit>
+  <New>DocumentLibraryForm</New>
+</FormTemplates>
+</file>
+
+<file path=customXml/item3.xml><?xml version="1.0" encoding="utf-8"?>
 <ct:contentTypeSchema xmlns:ct="http://schemas.microsoft.com/office/2006/metadata/contentType" xmlns:ma="http://schemas.microsoft.com/office/2006/metadata/properties/metaAttributes" ct:_="" ma:_="" ma:contentTypeName="Document" ma:contentTypeID="0x010100BAC878A9CFA2B74EA5B56F8DFD3F283C" ma:contentTypeVersion="2" ma:contentTypeDescription="Crée un document." ma:contentTypeScope="" ma:versionID="09cea56e8964395adce5b6c2a1c3395a">
   <xsd:schema xmlns:xsd="http://www.w3.org/2001/XMLSchema" xmlns:xs="http://www.w3.org/2001/XMLSchema" xmlns:p="http://schemas.microsoft.com/office/2006/metadata/properties" xmlns:ns2="d19bf12b-0177-417d-bc4c-dfefd0e3f95e" targetNamespace="http://schemas.microsoft.com/office/2006/metadata/properties" ma:root="true" ma:fieldsID="c1ad8227b94a78187b139ed7725cd735" ns2:_="">
     <xsd:import namespace="d19bf12b-0177-417d-bc4c-dfefd0e3f95e"/>
@@ -4589,22 +4724,24 @@
 </ct:contentTypeSchema>
 </file>
 
-<file path=customXml/item2.xml><?xml version="1.0" encoding="utf-8"?>
-<?mso-contentType ?>
-<FormTemplates xmlns="http://schemas.microsoft.com/sharepoint/v3/contenttype/forms">
-  <Display>DocumentLibraryForm</Display>
-  <Edit>DocumentLibraryForm</Edit>
-  <New>DocumentLibraryForm</New>
-</FormTemplates>
+<file path=customXml/itemProps1.xml><?xml version="1.0" encoding="utf-8"?>
+<ds:datastoreItem xmlns:ds="http://schemas.openxmlformats.org/officeDocument/2006/customXml" ds:itemID="{1E5385A4-CA84-4021-8584-08878F10745D}">
+  <ds:schemaRefs>
+    <ds:schemaRef ds:uri="http://schemas.microsoft.com/office/2006/metadata/properties"/>
+    <ds:schemaRef ds:uri="http://schemas.microsoft.com/office/infopath/2007/PartnerControls"/>
+  </ds:schemaRefs>
+</ds:datastoreItem>
 </file>
 
-<file path=customXml/item3.xml><?xml version="1.0" encoding="utf-8"?>
-<p:properties xmlns:p="http://schemas.microsoft.com/office/2006/metadata/properties" xmlns:xsi="http://www.w3.org/2001/XMLSchema-instance" xmlns:pc="http://schemas.microsoft.com/office/infopath/2007/PartnerControls">
-  <documentManagement/>
-</p:properties>
+<file path=customXml/itemProps2.xml><?xml version="1.0" encoding="utf-8"?>
+<ds:datastoreItem xmlns:ds="http://schemas.openxmlformats.org/officeDocument/2006/customXml" ds:itemID="{6385C697-8C67-40A8-91C6-D061828ECBFF}">
+  <ds:schemaRefs>
+    <ds:schemaRef ds:uri="http://schemas.microsoft.com/sharepoint/v3/contenttype/forms"/>
+  </ds:schemaRefs>
+</ds:datastoreItem>
 </file>
 
-<file path=customXml/itemProps1.xml><?xml version="1.0" encoding="utf-8"?>
+<file path=customXml/itemProps3.xml><?xml version="1.0" encoding="utf-8"?>
 <ds:datastoreItem xmlns:ds="http://schemas.openxmlformats.org/officeDocument/2006/customXml" ds:itemID="{175917EA-0CB3-430B-A3CC-BFF4201312D8}">
   <ds:schemaRefs>
     <ds:schemaRef ds:uri="http://schemas.microsoft.com/office/2006/metadata/contentType"/>
@@ -4620,21 +4757,4 @@
     <ds:schemaRef ds:uri="http://schemas.microsoft.com/internal/obd"/>
   </ds:schemaRefs>
 </ds:datastoreItem>
-</file>
-
-<file path=customXml/itemProps2.xml><?xml version="1.0" encoding="utf-8"?>
-<ds:datastoreItem xmlns:ds="http://schemas.openxmlformats.org/officeDocument/2006/customXml" ds:itemID="{6385C697-8C67-40A8-91C6-D061828ECBFF}">
-  <ds:schemaRefs>
-    <ds:schemaRef ds:uri="http://schemas.microsoft.com/sharepoint/v3/contenttype/forms"/>
-  </ds:schemaRefs>
-</ds:datastoreItem>
-</file>
-
-<file path=customXml/itemProps3.xml><?xml version="1.0" encoding="utf-8"?>
-<ds:datastoreItem xmlns:ds="http://schemas.openxmlformats.org/officeDocument/2006/customXml" ds:itemID="{1E5385A4-CA84-4021-8584-08878F10745D}">
-  <ds:schemaRefs>
-    <ds:schemaRef ds:uri="http://schemas.microsoft.com/office/2006/metadata/properties"/>
-    <ds:schemaRef ds:uri="http://schemas.microsoft.com/office/infopath/2007/PartnerControls"/>
-  </ds:schemaRefs>
-</ds:datastoreItem>
 </file>
--- a/Analyse_Projet/Poster_Black-Fleet_ODEAU_SERENO.pptx
+++ b/Analyse_Projet/Poster_Black-Fleet_ODEAU_SERENO.pptx
@@ -4578,21 +4578,6 @@
 </file>
 
 <file path=customXml/item1.xml><?xml version="1.0" encoding="utf-8"?>
-<p:properties xmlns:p="http://schemas.microsoft.com/office/2006/metadata/properties" xmlns:xsi="http://www.w3.org/2001/XMLSchema-instance" xmlns:pc="http://schemas.microsoft.com/office/infopath/2007/PartnerControls">
-  <documentManagement/>
-</p:properties>
-</file>
-
-<file path=customXml/item2.xml><?xml version="1.0" encoding="utf-8"?>
-<?mso-contentType ?>
-<FormTemplates xmlns="http://schemas.microsoft.com/sharepoint/v3/contenttype/forms">
-  <Display>DocumentLibraryForm</Display>
-  <Edit>DocumentLibraryForm</Edit>
-  <New>DocumentLibraryForm</New>
-</FormTemplates>
-</file>
-
-<file path=customXml/item3.xml><?xml version="1.0" encoding="utf-8"?>
 <ct:contentTypeSchema xmlns:ct="http://schemas.microsoft.com/office/2006/metadata/contentType" xmlns:ma="http://schemas.microsoft.com/office/2006/metadata/properties/metaAttributes" ct:_="" ma:_="" ma:contentTypeName="Document" ma:contentTypeID="0x010100BAC878A9CFA2B74EA5B56F8DFD3F283C" ma:contentTypeVersion="2" ma:contentTypeDescription="Crée un document." ma:contentTypeScope="" ma:versionID="09cea56e8964395adce5b6c2a1c3395a">
   <xsd:schema xmlns:xsd="http://www.w3.org/2001/XMLSchema" xmlns:xs="http://www.w3.org/2001/XMLSchema" xmlns:p="http://schemas.microsoft.com/office/2006/metadata/properties" xmlns:ns2="d19bf12b-0177-417d-bc4c-dfefd0e3f95e" targetNamespace="http://schemas.microsoft.com/office/2006/metadata/properties" ma:root="true" ma:fieldsID="c1ad8227b94a78187b139ed7725cd735" ns2:_="">
     <xsd:import namespace="d19bf12b-0177-417d-bc4c-dfefd0e3f95e"/>
@@ -4724,24 +4709,22 @@
 </ct:contentTypeSchema>
 </file>
 
-<file path=customXml/itemProps1.xml><?xml version="1.0" encoding="utf-8"?>
-<ds:datastoreItem xmlns:ds="http://schemas.openxmlformats.org/officeDocument/2006/customXml" ds:itemID="{1E5385A4-CA84-4021-8584-08878F10745D}">
-  <ds:schemaRefs>
-    <ds:schemaRef ds:uri="http://schemas.microsoft.com/office/2006/metadata/properties"/>
-    <ds:schemaRef ds:uri="http://schemas.microsoft.com/office/infopath/2007/PartnerControls"/>
-  </ds:schemaRefs>
-</ds:datastoreItem>
+<file path=customXml/item2.xml><?xml version="1.0" encoding="utf-8"?>
+<?mso-contentType ?>
+<FormTemplates xmlns="http://schemas.microsoft.com/sharepoint/v3/contenttype/forms">
+  <Display>DocumentLibraryForm</Display>
+  <Edit>DocumentLibraryForm</Edit>
+  <New>DocumentLibraryForm</New>
+</FormTemplates>
 </file>
 
-<file path=customXml/itemProps2.xml><?xml version="1.0" encoding="utf-8"?>
-<ds:datastoreItem xmlns:ds="http://schemas.openxmlformats.org/officeDocument/2006/customXml" ds:itemID="{6385C697-8C67-40A8-91C6-D061828ECBFF}">
-  <ds:schemaRefs>
-    <ds:schemaRef ds:uri="http://schemas.microsoft.com/sharepoint/v3/contenttype/forms"/>
-  </ds:schemaRefs>
-</ds:datastoreItem>
+<file path=customXml/item3.xml><?xml version="1.0" encoding="utf-8"?>
+<p:properties xmlns:p="http://schemas.microsoft.com/office/2006/metadata/properties" xmlns:xsi="http://www.w3.org/2001/XMLSchema-instance" xmlns:pc="http://schemas.microsoft.com/office/infopath/2007/PartnerControls">
+  <documentManagement/>
+</p:properties>
 </file>
 
-<file path=customXml/itemProps3.xml><?xml version="1.0" encoding="utf-8"?>
+<file path=customXml/itemProps1.xml><?xml version="1.0" encoding="utf-8"?>
 <ds:datastoreItem xmlns:ds="http://schemas.openxmlformats.org/officeDocument/2006/customXml" ds:itemID="{175917EA-0CB3-430B-A3CC-BFF4201312D8}">
   <ds:schemaRefs>
     <ds:schemaRef ds:uri="http://schemas.microsoft.com/office/2006/metadata/contentType"/>
@@ -4757,4 +4740,21 @@
     <ds:schemaRef ds:uri="http://schemas.microsoft.com/internal/obd"/>
   </ds:schemaRefs>
 </ds:datastoreItem>
+</file>
+
+<file path=customXml/itemProps2.xml><?xml version="1.0" encoding="utf-8"?>
+<ds:datastoreItem xmlns:ds="http://schemas.openxmlformats.org/officeDocument/2006/customXml" ds:itemID="{6385C697-8C67-40A8-91C6-D061828ECBFF}">
+  <ds:schemaRefs>
+    <ds:schemaRef ds:uri="http://schemas.microsoft.com/sharepoint/v3/contenttype/forms"/>
+  </ds:schemaRefs>
+</ds:datastoreItem>
+</file>
+
+<file path=customXml/itemProps3.xml><?xml version="1.0" encoding="utf-8"?>
+<ds:datastoreItem xmlns:ds="http://schemas.openxmlformats.org/officeDocument/2006/customXml" ds:itemID="{1E5385A4-CA84-4021-8584-08878F10745D}">
+  <ds:schemaRefs>
+    <ds:schemaRef ds:uri="http://schemas.microsoft.com/office/2006/metadata/properties"/>
+    <ds:schemaRef ds:uri="http://schemas.microsoft.com/office/infopath/2007/PartnerControls"/>
+  </ds:schemaRefs>
+</ds:datastoreItem>
 </file>